--- a/基础课程/第二节/第二节课.pptx
+++ b/基础课程/第二节/第二节课.pptx
@@ -4,16 +4,21 @@
   <p:sldMasterIdLst>
     <p:sldMasterId id="2147483648" r:id="rId1"/>
   </p:sldMasterIdLst>
+  <p:notesMasterIdLst>
+    <p:notesMasterId r:id="rId7"/>
+  </p:notesMasterIdLst>
   <p:sldIdLst>
     <p:sldId id="256" r:id="rId3"/>
     <p:sldId id="257" r:id="rId4"/>
     <p:sldId id="258" r:id="rId5"/>
     <p:sldId id="259" r:id="rId6"/>
+    <p:sldId id="260" r:id="rId8"/>
+    <p:sldId id="261" r:id="rId9"/>
   </p:sldIdLst>
   <p:sldSz cx="12192000" cy="6858000"/>
   <p:notesSz cx="6858000" cy="9144000"/>
   <p:custDataLst>
-    <p:tags r:id="rId10"/>
+    <p:tags r:id="rId13"/>
   </p:custDataLst>
   <p:defaultTextStyle>
     <a:defPPr>
@@ -111,6 +116,417 @@
     </a:lvl9pPr>
   </p:defaultTextStyle>
 </p:presentation>
+</file>
+
+<file path=ppt/notesMasters/notesMaster1.xml><?xml version="1.0" encoding="utf-8"?>
+<p:notesMaster xmlns:a="http://schemas.openxmlformats.org/drawingml/2006/main" xmlns:r="http://schemas.openxmlformats.org/officeDocument/2006/relationships" xmlns:p="http://schemas.openxmlformats.org/presentationml/2006/main">
+  <p:cSld>
+    <p:bg>
+      <p:bgRef idx="1001">
+        <a:schemeClr val="bg1"/>
+      </p:bgRef>
+    </p:bg>
+    <p:spTree>
+      <p:nvGrpSpPr>
+        <p:cNvPr id="1" name=""/>
+        <p:cNvGrpSpPr/>
+        <p:nvPr/>
+      </p:nvGrpSpPr>
+      <p:grpSpPr>
+        <a:xfrm>
+          <a:off x="0" y="0"/>
+          <a:ext cx="0" cy="0"/>
+          <a:chOff x="0" y="0"/>
+          <a:chExt cx="0" cy="0"/>
+        </a:xfrm>
+      </p:grpSpPr>
+      <p:sp>
+        <p:nvSpPr>
+          <p:cNvPr id="2" name="页眉占位符 1"/>
+          <p:cNvSpPr>
+            <a:spLocks noGrp="1"/>
+          </p:cNvSpPr>
+          <p:nvPr>
+            <p:ph type="hdr" sz="quarter"/>
+          </p:nvPr>
+        </p:nvSpPr>
+        <p:spPr>
+          <a:xfrm>
+            <a:off x="0" y="0"/>
+            <a:ext cx="2971800" cy="458788"/>
+          </a:xfrm>
+          <a:prstGeom prst="rect">
+            <a:avLst/>
+          </a:prstGeom>
+        </p:spPr>
+        <p:txBody>
+          <a:bodyPr vert="horz" lIns="91440" tIns="45720" rIns="91440" bIns="45720" rtlCol="0"/>
+          <a:lstStyle>
+            <a:lvl1pPr algn="l">
+              <a:defRPr sz="1200"/>
+            </a:lvl1pPr>
+          </a:lstStyle>
+          <a:p>
+            <a:endParaRPr lang="zh-CN" altLang="en-US"/>
+          </a:p>
+        </p:txBody>
+      </p:sp>
+      <p:sp>
+        <p:nvSpPr>
+          <p:cNvPr id="3" name="日期占位符 2"/>
+          <p:cNvSpPr>
+            <a:spLocks noGrp="1"/>
+          </p:cNvSpPr>
+          <p:nvPr>
+            <p:ph type="dt" idx="1"/>
+          </p:nvPr>
+        </p:nvSpPr>
+        <p:spPr>
+          <a:xfrm>
+            <a:off x="3884613" y="0"/>
+            <a:ext cx="2971800" cy="458788"/>
+          </a:xfrm>
+          <a:prstGeom prst="rect">
+            <a:avLst/>
+          </a:prstGeom>
+        </p:spPr>
+        <p:txBody>
+          <a:bodyPr vert="horz" lIns="91440" tIns="45720" rIns="91440" bIns="45720" rtlCol="0"/>
+          <a:lstStyle>
+            <a:lvl1pPr algn="r">
+              <a:defRPr sz="1200"/>
+            </a:lvl1pPr>
+          </a:lstStyle>
+          <a:p>
+            <a:fld id="{D2A48B96-639E-45A3-A0BA-2464DFDB1FAA}" type="datetimeFigureOut">
+              <a:rPr lang="zh-CN" altLang="en-US" smtClean="0"/>
+            </a:fld>
+            <a:endParaRPr lang="zh-CN" altLang="en-US"/>
+          </a:p>
+        </p:txBody>
+      </p:sp>
+      <p:sp>
+        <p:nvSpPr>
+          <p:cNvPr id="4" name="幻灯片图像占位符 3"/>
+          <p:cNvSpPr>
+            <a:spLocks noGrp="1" noRot="1" noChangeAspect="1"/>
+          </p:cNvSpPr>
+          <p:nvPr>
+            <p:ph type="sldImg" idx="2"/>
+          </p:nvPr>
+        </p:nvSpPr>
+        <p:spPr>
+          <a:xfrm>
+            <a:off x="685800" y="1143000"/>
+            <a:ext cx="5486400" cy="3086100"/>
+          </a:xfrm>
+          <a:prstGeom prst="rect">
+            <a:avLst/>
+          </a:prstGeom>
+          <a:noFill/>
+          <a:ln w="12700">
+            <a:solidFill>
+              <a:prstClr val="black"/>
+            </a:solidFill>
+          </a:ln>
+        </p:spPr>
+        <p:txBody>
+          <a:bodyPr vert="horz" lIns="91440" tIns="45720" rIns="91440" bIns="45720" rtlCol="0" anchor="ctr"/>
+          <a:lstStyle/>
+          <a:p>
+            <a:endParaRPr lang="zh-CN" altLang="en-US"/>
+          </a:p>
+        </p:txBody>
+      </p:sp>
+      <p:sp>
+        <p:nvSpPr>
+          <p:cNvPr id="5" name="备注占位符 4"/>
+          <p:cNvSpPr>
+            <a:spLocks noGrp="1"/>
+          </p:cNvSpPr>
+          <p:nvPr>
+            <p:ph type="body" sz="quarter" idx="3"/>
+          </p:nvPr>
+        </p:nvSpPr>
+        <p:spPr>
+          <a:xfrm>
+            <a:off x="685800" y="4400550"/>
+            <a:ext cx="5486400" cy="3600450"/>
+          </a:xfrm>
+          <a:prstGeom prst="rect">
+            <a:avLst/>
+          </a:prstGeom>
+        </p:spPr>
+        <p:txBody>
+          <a:bodyPr vert="horz" lIns="91440" tIns="45720" rIns="91440" bIns="45720" rtlCol="0"/>
+          <a:lstStyle/>
+          <a:p>
+            <a:pPr lvl="0"/>
+            <a:r>
+              <a:rPr lang="zh-CN" altLang="en-US" smtClean="0"/>
+              <a:t>单击此处编辑母版文本样式</a:t>
+            </a:r>
+            <a:endParaRPr lang="zh-CN" altLang="en-US" smtClean="0"/>
+          </a:p>
+          <a:p>
+            <a:pPr lvl="1"/>
+            <a:r>
+              <a:rPr lang="zh-CN" altLang="en-US" smtClean="0"/>
+              <a:t>第二级</a:t>
+            </a:r>
+            <a:endParaRPr lang="zh-CN" altLang="en-US" smtClean="0"/>
+          </a:p>
+          <a:p>
+            <a:pPr lvl="2"/>
+            <a:r>
+              <a:rPr lang="zh-CN" altLang="en-US" smtClean="0"/>
+              <a:t>第三级</a:t>
+            </a:r>
+            <a:endParaRPr lang="zh-CN" altLang="en-US" smtClean="0"/>
+          </a:p>
+          <a:p>
+            <a:pPr lvl="3"/>
+            <a:r>
+              <a:rPr lang="zh-CN" altLang="en-US" smtClean="0"/>
+              <a:t>第四级</a:t>
+            </a:r>
+            <a:endParaRPr lang="zh-CN" altLang="en-US" smtClean="0"/>
+          </a:p>
+          <a:p>
+            <a:pPr lvl="4"/>
+            <a:r>
+              <a:rPr lang="zh-CN" altLang="en-US" smtClean="0"/>
+              <a:t>第五级</a:t>
+            </a:r>
+            <a:endParaRPr lang="zh-CN" altLang="en-US"/>
+          </a:p>
+        </p:txBody>
+      </p:sp>
+      <p:sp>
+        <p:nvSpPr>
+          <p:cNvPr id="6" name="页脚占位符 5"/>
+          <p:cNvSpPr>
+            <a:spLocks noGrp="1"/>
+          </p:cNvSpPr>
+          <p:nvPr>
+            <p:ph type="ftr" sz="quarter" idx="4"/>
+          </p:nvPr>
+        </p:nvSpPr>
+        <p:spPr>
+          <a:xfrm>
+            <a:off x="0" y="8685213"/>
+            <a:ext cx="2971800" cy="458787"/>
+          </a:xfrm>
+          <a:prstGeom prst="rect">
+            <a:avLst/>
+          </a:prstGeom>
+        </p:spPr>
+        <p:txBody>
+          <a:bodyPr vert="horz" lIns="91440" tIns="45720" rIns="91440" bIns="45720" rtlCol="0" anchor="b"/>
+          <a:lstStyle>
+            <a:lvl1pPr algn="l">
+              <a:defRPr sz="1200"/>
+            </a:lvl1pPr>
+          </a:lstStyle>
+          <a:p>
+            <a:endParaRPr lang="zh-CN" altLang="en-US"/>
+          </a:p>
+        </p:txBody>
+      </p:sp>
+      <p:sp>
+        <p:nvSpPr>
+          <p:cNvPr id="7" name="灯片编号占位符 6"/>
+          <p:cNvSpPr>
+            <a:spLocks noGrp="1"/>
+          </p:cNvSpPr>
+          <p:nvPr>
+            <p:ph type="sldNum" sz="quarter" idx="5"/>
+          </p:nvPr>
+        </p:nvSpPr>
+        <p:spPr>
+          <a:xfrm>
+            <a:off x="3884613" y="8685213"/>
+            <a:ext cx="2971800" cy="458787"/>
+          </a:xfrm>
+          <a:prstGeom prst="rect">
+            <a:avLst/>
+          </a:prstGeom>
+        </p:spPr>
+        <p:txBody>
+          <a:bodyPr vert="horz" lIns="91440" tIns="45720" rIns="91440" bIns="45720" rtlCol="0" anchor="b"/>
+          <a:lstStyle>
+            <a:lvl1pPr algn="r">
+              <a:defRPr sz="1200"/>
+            </a:lvl1pPr>
+          </a:lstStyle>
+          <a:p>
+            <a:fld id="{A6837353-30EB-4A48-80EB-173D804AEFBD}" type="slidenum">
+              <a:rPr lang="zh-CN" altLang="en-US" smtClean="0"/>
+            </a:fld>
+            <a:endParaRPr lang="zh-CN" altLang="en-US"/>
+          </a:p>
+        </p:txBody>
+      </p:sp>
+    </p:spTree>
+  </p:cSld>
+  <p:clrMap bg1="lt1" tx1="dk1" bg2="lt2" tx2="dk2" accent1="accent1" accent2="accent2" accent3="accent3" accent4="accent4" accent5="accent5" accent6="accent6" hlink="hlink" folHlink="folHlink"/>
+  <p:notesStyle>
+    <a:lvl1pPr marL="0" algn="l" defTabSz="914400" rtl="0" eaLnBrk="1" latinLnBrk="0" hangingPunct="1">
+      <a:defRPr sz="1200" kern="1200">
+        <a:solidFill>
+          <a:schemeClr val="tx1"/>
+        </a:solidFill>
+        <a:latin typeface="+mn-lt"/>
+        <a:ea typeface="+mn-ea"/>
+        <a:cs typeface="+mn-cs"/>
+      </a:defRPr>
+    </a:lvl1pPr>
+    <a:lvl2pPr marL="457200" algn="l" defTabSz="914400" rtl="0" eaLnBrk="1" latinLnBrk="0" hangingPunct="1">
+      <a:defRPr sz="1200" kern="1200">
+        <a:solidFill>
+          <a:schemeClr val="tx1"/>
+        </a:solidFill>
+        <a:latin typeface="+mn-lt"/>
+        <a:ea typeface="+mn-ea"/>
+        <a:cs typeface="+mn-cs"/>
+      </a:defRPr>
+    </a:lvl2pPr>
+    <a:lvl3pPr marL="914400" algn="l" defTabSz="914400" rtl="0" eaLnBrk="1" latinLnBrk="0" hangingPunct="1">
+      <a:defRPr sz="1200" kern="1200">
+        <a:solidFill>
+          <a:schemeClr val="tx1"/>
+        </a:solidFill>
+        <a:latin typeface="+mn-lt"/>
+        <a:ea typeface="+mn-ea"/>
+        <a:cs typeface="+mn-cs"/>
+      </a:defRPr>
+    </a:lvl3pPr>
+    <a:lvl4pPr marL="1371600" algn="l" defTabSz="914400" rtl="0" eaLnBrk="1" latinLnBrk="0" hangingPunct="1">
+      <a:defRPr sz="1200" kern="1200">
+        <a:solidFill>
+          <a:schemeClr val="tx1"/>
+        </a:solidFill>
+        <a:latin typeface="+mn-lt"/>
+        <a:ea typeface="+mn-ea"/>
+        <a:cs typeface="+mn-cs"/>
+      </a:defRPr>
+    </a:lvl4pPr>
+    <a:lvl5pPr marL="1828800" algn="l" defTabSz="914400" rtl="0" eaLnBrk="1" latinLnBrk="0" hangingPunct="1">
+      <a:defRPr sz="1200" kern="1200">
+        <a:solidFill>
+          <a:schemeClr val="tx1"/>
+        </a:solidFill>
+        <a:latin typeface="+mn-lt"/>
+        <a:ea typeface="+mn-ea"/>
+        <a:cs typeface="+mn-cs"/>
+      </a:defRPr>
+    </a:lvl5pPr>
+    <a:lvl6pPr marL="2286000" algn="l" defTabSz="914400" rtl="0" eaLnBrk="1" latinLnBrk="0" hangingPunct="1">
+      <a:defRPr sz="1200" kern="1200">
+        <a:solidFill>
+          <a:schemeClr val="tx1"/>
+        </a:solidFill>
+        <a:latin typeface="+mn-lt"/>
+        <a:ea typeface="+mn-ea"/>
+        <a:cs typeface="+mn-cs"/>
+      </a:defRPr>
+    </a:lvl6pPr>
+    <a:lvl7pPr marL="2743200" algn="l" defTabSz="914400" rtl="0" eaLnBrk="1" latinLnBrk="0" hangingPunct="1">
+      <a:defRPr sz="1200" kern="1200">
+        <a:solidFill>
+          <a:schemeClr val="tx1"/>
+        </a:solidFill>
+        <a:latin typeface="+mn-lt"/>
+        <a:ea typeface="+mn-ea"/>
+        <a:cs typeface="+mn-cs"/>
+      </a:defRPr>
+    </a:lvl7pPr>
+    <a:lvl8pPr marL="3200400" algn="l" defTabSz="914400" rtl="0" eaLnBrk="1" latinLnBrk="0" hangingPunct="1">
+      <a:defRPr sz="1200" kern="1200">
+        <a:solidFill>
+          <a:schemeClr val="tx1"/>
+        </a:solidFill>
+        <a:latin typeface="+mn-lt"/>
+        <a:ea typeface="+mn-ea"/>
+        <a:cs typeface="+mn-cs"/>
+      </a:defRPr>
+    </a:lvl8pPr>
+    <a:lvl9pPr marL="3657600" algn="l" defTabSz="914400" rtl="0" eaLnBrk="1" latinLnBrk="0" hangingPunct="1">
+      <a:defRPr sz="1200" kern="1200">
+        <a:solidFill>
+          <a:schemeClr val="tx1"/>
+        </a:solidFill>
+        <a:latin typeface="+mn-lt"/>
+        <a:ea typeface="+mn-ea"/>
+        <a:cs typeface="+mn-cs"/>
+      </a:defRPr>
+    </a:lvl9pPr>
+  </p:notesStyle>
+</p:notesMaster>
+</file>
+
+<file path=ppt/notesSlides/notesSlide1.xml><?xml version="1.0" encoding="utf-8"?>
+<p:notes xmlns:a="http://schemas.openxmlformats.org/drawingml/2006/main" xmlns:r="http://schemas.openxmlformats.org/officeDocument/2006/relationships" xmlns:p="http://schemas.openxmlformats.org/presentationml/2006/main">
+  <p:cSld>
+    <p:spTree>
+      <p:nvGrpSpPr>
+        <p:cNvPr id="1" name=""/>
+        <p:cNvGrpSpPr/>
+        <p:nvPr/>
+      </p:nvGrpSpPr>
+      <p:grpSpPr/>
+      <p:sp>
+        <p:nvSpPr>
+          <p:cNvPr id="2" name="幻灯片图像占位符 1"/>
+          <p:cNvSpPr/>
+          <p:nvPr>
+            <p:ph type="sldImg" idx="2"/>
+          </p:nvPr>
+        </p:nvSpPr>
+        <p:spPr/>
+      </p:sp>
+      <p:sp>
+        <p:nvSpPr>
+          <p:cNvPr id="3" name="文本占位符 2"/>
+          <p:cNvSpPr/>
+          <p:nvPr>
+            <p:ph type="body" idx="3"/>
+          </p:nvPr>
+        </p:nvSpPr>
+        <p:spPr/>
+        <p:txBody>
+          <a:bodyPr/>
+          <a:p>
+            <a:r>
+              <a:rPr lang="zh-CN" altLang="en-US"/>
+              <a:t>讲解</a:t>
+            </a:r>
+            <a:r>
+              <a:rPr lang="en-US" altLang="zh-CN"/>
+              <a:t>pixels per Unity</a:t>
+            </a:r>
+            <a:r>
+              <a:rPr lang="zh-CN" altLang="en-US"/>
+              <a:t>的：</a:t>
+            </a:r>
+            <a:r>
+              <a:rPr lang="en-US" altLang="zh-CN"/>
+              <a:t> </a:t>
+            </a:r>
+            <a:r>
+              <a:rPr lang="zh-CN" altLang="en-US"/>
+              <a:t>https://www.youtube.com/watch?v=9gtL-1AqLTA</a:t>
+            </a:r>
+            <a:endParaRPr lang="zh-CN" altLang="en-US"/>
+          </a:p>
+        </p:txBody>
+      </p:sp>
+    </p:spTree>
+  </p:cSld>
+  <p:clrMapOvr>
+    <a:masterClrMapping/>
+  </p:clrMapOvr>
+</p:notes>
 </file>
 
 <file path=ppt/slideLayouts/slideLayout1.xml><?xml version="1.0" encoding="utf-8"?>
@@ -3279,12 +3695,12 @@
             </a:r>
             <a:r>
               <a:rPr lang="en-US" altLang="zh-CN">
-                <a:hlinkClick r:id="rId1" tooltip="" action="ppaction://hlinkfile"/>
+                <a:hlinkClick r:id="rId1" action="ppaction://hlinkfile"/>
               </a:rPr>
               <a:t>https://opengameart.org/content/zelda-like-tilesets-and-sprites</a:t>
             </a:r>
             <a:endParaRPr lang="en-US" altLang="zh-CN">
-              <a:hlinkClick r:id="rId1" tooltip="" action="ppaction://hlinkfile"/>
+              <a:hlinkClick r:id="rId1" action="ppaction://hlinkfile"/>
             </a:endParaRPr>
           </a:p>
           <a:p>
@@ -3508,27 +3924,641 @@
           </a:p>
         </p:txBody>
       </p:sp>
-      <p:sp>
-        <p:nvSpPr>
-          <p:cNvPr id="3" name="内容占位符 2"/>
-          <p:cNvSpPr>
-            <a:spLocks noGrp="1"/>
-          </p:cNvSpPr>
+      <p:pic>
+        <p:nvPicPr>
+          <p:cNvPr id="4" name="内容占位符 3"/>
+          <p:cNvPicPr>
+            <a:picLocks noChangeAspect="1"/>
+          </p:cNvPicPr>
           <p:nvPr>
             <p:ph idx="1"/>
-          </p:nvPr>
-        </p:nvSpPr>
-        <p:spPr/>
-        <p:txBody>
-          <a:bodyPr/>
-          <a:p>
+            <p:custDataLst>
+              <p:tags r:id="rId1"/>
+            </p:custDataLst>
+          </p:nvPr>
+        </p:nvPicPr>
+        <p:blipFill>
+          <a:blip r:embed="rId2"/>
+          <a:stretch>
+            <a:fillRect/>
+          </a:stretch>
+        </p:blipFill>
+        <p:spPr>
+          <a:xfrm>
+            <a:off x="7892415" y="482600"/>
+            <a:ext cx="3585845" cy="7545070"/>
+          </a:xfrm>
+          <a:prstGeom prst="rect">
+            <a:avLst/>
+          </a:prstGeom>
+        </p:spPr>
+      </p:pic>
+      <p:sp>
+        <p:nvSpPr>
+          <p:cNvPr id="5" name="内容占位符 2"/>
+          <p:cNvSpPr>
+            <a:spLocks noGrp="1"/>
+          </p:cNvSpPr>
+          <p:nvPr/>
+        </p:nvSpPr>
+        <p:spPr>
+          <a:xfrm>
+            <a:off x="608400" y="1501200"/>
+            <a:ext cx="5176800" cy="4748400"/>
+          </a:xfrm>
+          <a:prstGeom prst="rect">
+            <a:avLst/>
+          </a:prstGeom>
+        </p:spPr>
+        <p:txBody>
+          <a:bodyPr vert="horz" lIns="90000" tIns="46800" rIns="90000" bIns="46800" rtlCol="0">
+            <a:normAutofit lnSpcReduction="10000"/>
+          </a:bodyPr>
+          <a:lstStyle>
+            <a:lvl1pPr marL="228600" indent="-228600" algn="l" defTabSz="914400" rtl="0" eaLnBrk="1" fontAlgn="auto" latinLnBrk="0" hangingPunct="1">
+              <a:lnSpc>
+                <a:spcPct val="130000"/>
+              </a:lnSpc>
+              <a:spcBef>
+                <a:spcPts val="0"/>
+              </a:spcBef>
+              <a:spcAft>
+                <a:spcPts val="1000"/>
+              </a:spcAft>
+              <a:buFont typeface="Arial" panose="020B0604020202020204" pitchFamily="34" charset="0"/>
+              <a:buChar char="●"/>
+              <a:defRPr sz="1800" u="none" strike="noStrike" kern="1200" cap="none" spc="150" normalizeH="0" baseline="0">
+                <a:solidFill>
+                  <a:schemeClr val="tx1">
+                    <a:lumMod val="65000"/>
+                    <a:lumOff val="35000"/>
+                  </a:schemeClr>
+                </a:solidFill>
+                <a:uFillTx/>
+                <a:latin typeface="+mn-lt"/>
+                <a:ea typeface="+mn-ea"/>
+                <a:cs typeface="+mn-cs"/>
+              </a:defRPr>
+            </a:lvl1pPr>
+            <a:lvl2pPr marL="685800" indent="-228600" algn="l" defTabSz="914400" rtl="0" eaLnBrk="1" fontAlgn="auto" latinLnBrk="0" hangingPunct="1">
+              <a:lnSpc>
+                <a:spcPct val="120000"/>
+              </a:lnSpc>
+              <a:spcBef>
+                <a:spcPts val="0"/>
+              </a:spcBef>
+              <a:spcAft>
+                <a:spcPts val="600"/>
+              </a:spcAft>
+              <a:buFont typeface="Arial" panose="020B0604020202020204" pitchFamily="34" charset="0"/>
+              <a:buChar char="●"/>
+              <a:tabLst>
+                <a:tab pos="1609725" algn="l"/>
+                <a:tab pos="1609725" algn="l"/>
+                <a:tab pos="1609725" algn="l"/>
+                <a:tab pos="1609725" algn="l"/>
+              </a:tabLst>
+              <a:defRPr sz="1600" u="none" strike="noStrike" kern="1200" cap="none" spc="150" normalizeH="0" baseline="0">
+                <a:solidFill>
+                  <a:schemeClr val="tx1">
+                    <a:lumMod val="65000"/>
+                    <a:lumOff val="35000"/>
+                  </a:schemeClr>
+                </a:solidFill>
+                <a:uFillTx/>
+                <a:latin typeface="+mn-lt"/>
+                <a:ea typeface="+mn-ea"/>
+                <a:cs typeface="+mn-cs"/>
+              </a:defRPr>
+            </a:lvl2pPr>
+            <a:lvl3pPr marL="1143000" indent="-228600" algn="l" defTabSz="914400" rtl="0" eaLnBrk="1" fontAlgn="auto" latinLnBrk="0" hangingPunct="1">
+              <a:lnSpc>
+                <a:spcPct val="120000"/>
+              </a:lnSpc>
+              <a:spcBef>
+                <a:spcPts val="0"/>
+              </a:spcBef>
+              <a:spcAft>
+                <a:spcPts val="600"/>
+              </a:spcAft>
+              <a:buFont typeface="Arial" panose="020B0604020202020204" pitchFamily="34" charset="0"/>
+              <a:buChar char="●"/>
+              <a:defRPr sz="1600" u="none" strike="noStrike" kern="1200" cap="none" spc="150" normalizeH="0" baseline="0">
+                <a:solidFill>
+                  <a:schemeClr val="tx1">
+                    <a:lumMod val="65000"/>
+                    <a:lumOff val="35000"/>
+                  </a:schemeClr>
+                </a:solidFill>
+                <a:uFillTx/>
+                <a:latin typeface="+mn-lt"/>
+                <a:ea typeface="+mn-ea"/>
+                <a:cs typeface="+mn-cs"/>
+              </a:defRPr>
+            </a:lvl3pPr>
+            <a:lvl4pPr marL="1600200" indent="-228600" algn="l" defTabSz="914400" rtl="0" eaLnBrk="1" fontAlgn="auto" latinLnBrk="0" hangingPunct="1">
+              <a:lnSpc>
+                <a:spcPct val="120000"/>
+              </a:lnSpc>
+              <a:spcBef>
+                <a:spcPts val="0"/>
+              </a:spcBef>
+              <a:spcAft>
+                <a:spcPts val="300"/>
+              </a:spcAft>
+              <a:buFont typeface="Wingdings" panose="05000000000000000000" charset="0"/>
+              <a:buChar char=""/>
+              <a:defRPr sz="1400" u="none" strike="noStrike" kern="1200" cap="none" spc="150" normalizeH="0" baseline="0">
+                <a:solidFill>
+                  <a:schemeClr val="tx1">
+                    <a:lumMod val="65000"/>
+                    <a:lumOff val="35000"/>
+                  </a:schemeClr>
+                </a:solidFill>
+                <a:uFillTx/>
+                <a:latin typeface="+mn-lt"/>
+                <a:ea typeface="+mn-ea"/>
+                <a:cs typeface="+mn-cs"/>
+              </a:defRPr>
+            </a:lvl4pPr>
+            <a:lvl5pPr marL="2057400" indent="-228600" algn="l" defTabSz="914400" rtl="0" eaLnBrk="1" fontAlgn="auto" latinLnBrk="0" hangingPunct="1">
+              <a:lnSpc>
+                <a:spcPct val="120000"/>
+              </a:lnSpc>
+              <a:spcBef>
+                <a:spcPts val="0"/>
+              </a:spcBef>
+              <a:spcAft>
+                <a:spcPts val="300"/>
+              </a:spcAft>
+              <a:buFont typeface="Arial" panose="020B0604020202020204" pitchFamily="34" charset="0"/>
+              <a:buChar char="•"/>
+              <a:defRPr sz="1400" u="none" strike="noStrike" kern="1200" cap="none" spc="150" normalizeH="0" baseline="0">
+                <a:solidFill>
+                  <a:schemeClr val="tx1">
+                    <a:lumMod val="65000"/>
+                    <a:lumOff val="35000"/>
+                  </a:schemeClr>
+                </a:solidFill>
+                <a:uFillTx/>
+                <a:latin typeface="+mn-lt"/>
+                <a:ea typeface="+mn-ea"/>
+                <a:cs typeface="+mn-cs"/>
+              </a:defRPr>
+            </a:lvl5pPr>
+            <a:lvl6pPr marL="2514600" indent="-228600" algn="l" defTabSz="914400" rtl="0" eaLnBrk="1" latinLnBrk="0" hangingPunct="1">
+              <a:lnSpc>
+                <a:spcPct val="90000"/>
+              </a:lnSpc>
+              <a:spcBef>
+                <a:spcPts val="500"/>
+              </a:spcBef>
+              <a:buFont typeface="Arial" panose="020B0604020202020204" pitchFamily="34" charset="0"/>
+              <a:buChar char="•"/>
+              <a:defRPr sz="1800" kern="1200">
+                <a:solidFill>
+                  <a:schemeClr val="tx1"/>
+                </a:solidFill>
+                <a:latin typeface="+mn-lt"/>
+                <a:ea typeface="+mn-ea"/>
+                <a:cs typeface="+mn-cs"/>
+              </a:defRPr>
+            </a:lvl6pPr>
+            <a:lvl7pPr marL="2971800" indent="-228600" algn="l" defTabSz="914400" rtl="0" eaLnBrk="1" latinLnBrk="0" hangingPunct="1">
+              <a:lnSpc>
+                <a:spcPct val="90000"/>
+              </a:lnSpc>
+              <a:spcBef>
+                <a:spcPts val="500"/>
+              </a:spcBef>
+              <a:buFont typeface="Arial" panose="020B0604020202020204" pitchFamily="34" charset="0"/>
+              <a:buChar char="•"/>
+              <a:defRPr sz="1800" kern="1200">
+                <a:solidFill>
+                  <a:schemeClr val="tx1"/>
+                </a:solidFill>
+                <a:latin typeface="+mn-lt"/>
+                <a:ea typeface="+mn-ea"/>
+                <a:cs typeface="+mn-cs"/>
+              </a:defRPr>
+            </a:lvl7pPr>
+            <a:lvl8pPr marL="3429000" indent="-228600" algn="l" defTabSz="914400" rtl="0" eaLnBrk="1" latinLnBrk="0" hangingPunct="1">
+              <a:lnSpc>
+                <a:spcPct val="90000"/>
+              </a:lnSpc>
+              <a:spcBef>
+                <a:spcPts val="500"/>
+              </a:spcBef>
+              <a:buFont typeface="Arial" panose="020B0604020202020204" pitchFamily="34" charset="0"/>
+              <a:buChar char="•"/>
+              <a:defRPr sz="1800" kern="1200">
+                <a:solidFill>
+                  <a:schemeClr val="tx1"/>
+                </a:solidFill>
+                <a:latin typeface="+mn-lt"/>
+                <a:ea typeface="+mn-ea"/>
+                <a:cs typeface="+mn-cs"/>
+              </a:defRPr>
+            </a:lvl8pPr>
+            <a:lvl9pPr marL="3886200" indent="-228600" algn="l" defTabSz="914400" rtl="0" eaLnBrk="1" latinLnBrk="0" hangingPunct="1">
+              <a:lnSpc>
+                <a:spcPct val="90000"/>
+              </a:lnSpc>
+              <a:spcBef>
+                <a:spcPts val="500"/>
+              </a:spcBef>
+              <a:buFont typeface="Arial" panose="020B0604020202020204" pitchFamily="34" charset="0"/>
+              <a:buChar char="•"/>
+              <a:defRPr sz="1800" kern="1200">
+                <a:solidFill>
+                  <a:schemeClr val="tx1"/>
+                </a:solidFill>
+                <a:latin typeface="+mn-lt"/>
+                <a:ea typeface="+mn-ea"/>
+                <a:cs typeface="+mn-cs"/>
+              </a:defRPr>
+            </a:lvl9pPr>
+          </a:lstStyle>
+          <a:p>
+            <a:r>
+              <a:rPr lang="zh-CN" altLang="en-US"/>
+              <a:t>首先来看一下资源检视</a:t>
+            </a:r>
+            <a:r>
+              <a:rPr lang="zh-CN" altLang="en-US"/>
+              <a:t>界面。</a:t>
+            </a:r>
+            <a:endParaRPr lang="zh-CN" altLang="en-US"/>
+          </a:p>
+          <a:p>
+            <a:r>
+              <a:rPr lang="en-US" altLang="zh-CN"/>
+              <a:t>Texture Type</a:t>
+            </a:r>
+            <a:r>
+              <a:rPr lang="zh-CN" altLang="en-US"/>
+              <a:t>表示的是这张贴图的类型，</a:t>
+            </a:r>
+            <a:r>
+              <a:rPr lang="en-US" altLang="zh-CN"/>
+              <a:t>Unity</a:t>
+            </a:r>
+            <a:r>
+              <a:rPr lang="zh-CN" altLang="en-US"/>
+              <a:t>针对不同类型的图片会做出不同的资源优化</a:t>
+            </a:r>
+            <a:r>
+              <a:rPr lang="zh-CN" altLang="en-US"/>
+              <a:t>等。</a:t>
+            </a:r>
+            <a:endParaRPr lang="zh-CN" altLang="en-US"/>
+          </a:p>
+          <a:p>
+            <a:r>
+              <a:rPr lang="en-US" altLang="zh-CN"/>
+              <a:t>Spritemode</a:t>
+            </a:r>
+            <a:r>
+              <a:rPr lang="zh-CN" altLang="en-US"/>
+              <a:t>，</a:t>
+            </a:r>
+            <a:r>
+              <a:rPr lang="en-US" altLang="zh-CN"/>
+              <a:t> </a:t>
+            </a:r>
+            <a:r>
+              <a:rPr lang="zh-CN" altLang="en-US"/>
+              <a:t>因为我们将多个</a:t>
+            </a:r>
+            <a:r>
+              <a:rPr lang="en-US" altLang="zh-CN"/>
+              <a:t>Sprite</a:t>
+            </a:r>
+            <a:r>
+              <a:rPr lang="zh-CN" altLang="en-US"/>
+              <a:t>精灵放在一个里面，所以要选择</a:t>
+            </a:r>
+            <a:r>
+              <a:rPr lang="zh-CN" altLang="en-US"/>
+              <a:t>多个。</a:t>
+            </a:r>
+            <a:endParaRPr lang="zh-CN" altLang="en-US"/>
+          </a:p>
+          <a:p>
+            <a:r>
+              <a:rPr lang="en-US" altLang="zh-CN"/>
+              <a:t>Pixels per Unit</a:t>
+            </a:r>
+            <a:r>
+              <a:rPr lang="zh-CN" altLang="en-US"/>
+              <a:t>：看一下下面这个视频。这个参数不仅控制</a:t>
+            </a:r>
+            <a:r>
+              <a:rPr lang="en-US" altLang="zh-CN"/>
+              <a:t>sprite</a:t>
+            </a:r>
+            <a:r>
+              <a:rPr lang="zh-CN" altLang="en-US"/>
+              <a:t>在相机中的大小，也控制</a:t>
+            </a:r>
+            <a:r>
+              <a:rPr lang="en-US" altLang="zh-CN"/>
+              <a:t>sprite</a:t>
+            </a:r>
+            <a:r>
+              <a:rPr lang="zh-CN" altLang="en-US"/>
+              <a:t>受到的物理相关的</a:t>
+            </a:r>
+            <a:r>
+              <a:rPr lang="zh-CN" altLang="en-US"/>
+              <a:t>内容。</a:t>
+            </a:r>
+            <a:endParaRPr lang="zh-CN" altLang="en-US"/>
+          </a:p>
+          <a:p>
+            <a:r>
+              <a:rPr lang="en-US" altLang="zh-CN"/>
+              <a:t>Filter Mode</a:t>
+            </a:r>
+            <a:r>
+              <a:rPr lang="zh-CN" altLang="en-US"/>
+              <a:t>：</a:t>
+            </a:r>
+            <a:r>
+              <a:rPr lang="en-US" altLang="zh-CN"/>
+              <a:t> Point</a:t>
+            </a:r>
+            <a:r>
+              <a:rPr lang="zh-CN" altLang="en-US"/>
+              <a:t>，</a:t>
+            </a:r>
+            <a:r>
+              <a:rPr lang="en-US" altLang="zh-CN"/>
+              <a:t> Bilenear</a:t>
+            </a:r>
+            <a:r>
+              <a:rPr lang="zh-CN" altLang="en-US"/>
+              <a:t>。后者可以理解为图片更加柔和模糊，很多游戏就采用</a:t>
+            </a:r>
+            <a:r>
+              <a:rPr lang="zh-CN" altLang="en-US"/>
+              <a:t>第一个。</a:t>
+            </a:r>
             <a:endParaRPr lang="zh-CN" altLang="en-US"/>
           </a:p>
         </p:txBody>
       </p:sp>
     </p:spTree>
     <p:custDataLst>
-      <p:tags r:id="rId1"/>
+      <p:tags r:id="rId3"/>
+    </p:custDataLst>
+  </p:cSld>
+  <p:clrMapOvr>
+    <a:masterClrMapping/>
+  </p:clrMapOvr>
+</p:sld>
+</file>
+
+<file path=ppt/slides/slide5.xml><?xml version="1.0" encoding="utf-8"?>
+<p:sld xmlns:a="http://schemas.openxmlformats.org/drawingml/2006/main" xmlns:r="http://schemas.openxmlformats.org/officeDocument/2006/relationships" xmlns:p="http://schemas.openxmlformats.org/presentationml/2006/main">
+  <p:cSld>
+    <p:spTree>
+      <p:nvGrpSpPr>
+        <p:cNvPr id="1" name=""/>
+        <p:cNvGrpSpPr/>
+        <p:nvPr/>
+      </p:nvGrpSpPr>
+      <p:grpSpPr/>
+      <p:sp>
+        <p:nvSpPr>
+          <p:cNvPr id="2" name="标题 1"/>
+          <p:cNvSpPr>
+            <a:spLocks noGrp="1"/>
+          </p:cNvSpPr>
+          <p:nvPr>
+            <p:ph type="title"/>
+          </p:nvPr>
+        </p:nvSpPr>
+        <p:spPr/>
+        <p:txBody>
+          <a:bodyPr/>
+          <a:p>
+            <a:r>
+              <a:rPr lang="en-US" altLang="zh-CN"/>
+              <a:t>Sprite </a:t>
+            </a:r>
+            <a:r>
+              <a:rPr lang="en-US" altLang="zh-CN"/>
+              <a:t>Editor</a:t>
+            </a:r>
+            <a:endParaRPr lang="en-US" altLang="zh-CN"/>
+          </a:p>
+        </p:txBody>
+      </p:sp>
+      <p:sp>
+        <p:nvSpPr>
+          <p:cNvPr id="3" name="内容占位符 2"/>
+          <p:cNvSpPr>
+            <a:spLocks noGrp="1"/>
+          </p:cNvSpPr>
+          <p:nvPr>
+            <p:ph sz="half" idx="1"/>
+          </p:nvPr>
+        </p:nvSpPr>
+        <p:spPr/>
+        <p:txBody>
+          <a:bodyPr/>
+          <a:p>
+            <a:r>
+              <a:rPr lang="zh-CN" altLang="en-US"/>
+              <a:t>我们主要来介绍</a:t>
+            </a:r>
+            <a:r>
+              <a:rPr lang="en-US" altLang="zh-CN"/>
+              <a:t>slice</a:t>
+            </a:r>
+            <a:r>
+              <a:rPr lang="zh-CN" altLang="en-US"/>
+              <a:t>功能：</a:t>
+            </a:r>
+            <a:endParaRPr lang="zh-CN" altLang="en-US"/>
+          </a:p>
+          <a:p>
+            <a:r>
+              <a:rPr lang="en-US" altLang="zh-CN"/>
+              <a:t>1.</a:t>
+            </a:r>
+            <a:r>
+              <a:rPr lang="zh-CN" altLang="en-US"/>
+              <a:t>用</a:t>
+            </a:r>
+            <a:r>
+              <a:rPr lang="en-US" altLang="zh-CN"/>
+              <a:t>Gird By CellSize</a:t>
+            </a:r>
+            <a:r>
+              <a:rPr lang="zh-CN" altLang="en-US"/>
+              <a:t>，再手动</a:t>
+            </a:r>
+            <a:r>
+              <a:rPr lang="zh-CN" altLang="en-US"/>
+              <a:t>调整</a:t>
+            </a:r>
+            <a:endParaRPr lang="zh-CN" altLang="en-US"/>
+          </a:p>
+        </p:txBody>
+      </p:sp>
+      <p:pic>
+        <p:nvPicPr>
+          <p:cNvPr id="6" name="内容占位符 5"/>
+          <p:cNvPicPr>
+            <a:picLocks noChangeAspect="1"/>
+          </p:cNvPicPr>
+          <p:nvPr>
+            <p:ph sz="half" idx="2"/>
+          </p:nvPr>
+        </p:nvPicPr>
+        <p:blipFill>
+          <a:blip r:embed="rId1"/>
+          <a:stretch>
+            <a:fillRect/>
+          </a:stretch>
+        </p:blipFill>
+        <p:spPr>
+          <a:xfrm>
+            <a:off x="5231765" y="1301750"/>
+            <a:ext cx="6960235" cy="5147310"/>
+          </a:xfrm>
+          <a:prstGeom prst="rect">
+            <a:avLst/>
+          </a:prstGeom>
+        </p:spPr>
+      </p:pic>
+    </p:spTree>
+    <p:custDataLst>
+      <p:tags r:id="rId2"/>
+    </p:custDataLst>
+  </p:cSld>
+  <p:clrMapOvr>
+    <a:masterClrMapping/>
+  </p:clrMapOvr>
+</p:sld>
+</file>
+
+<file path=ppt/slides/slide6.xml><?xml version="1.0" encoding="utf-8"?>
+<p:sld xmlns:a="http://schemas.openxmlformats.org/drawingml/2006/main" xmlns:r="http://schemas.openxmlformats.org/officeDocument/2006/relationships" xmlns:p="http://schemas.openxmlformats.org/presentationml/2006/main">
+  <p:cSld>
+    <p:spTree>
+      <p:nvGrpSpPr>
+        <p:cNvPr id="1" name=""/>
+        <p:cNvGrpSpPr/>
+        <p:nvPr/>
+      </p:nvGrpSpPr>
+      <p:grpSpPr/>
+      <p:sp>
+        <p:nvSpPr>
+          <p:cNvPr id="2" name="标题 1"/>
+          <p:cNvSpPr>
+            <a:spLocks noGrp="1"/>
+          </p:cNvSpPr>
+          <p:nvPr>
+            <p:ph type="title"/>
+          </p:nvPr>
+        </p:nvSpPr>
+        <p:spPr/>
+        <p:txBody>
+          <a:bodyPr/>
+          <a:p>
+            <a:r>
+              <a:rPr lang="en-US" altLang="zh-CN"/>
+              <a:t>Sprite </a:t>
+            </a:r>
+            <a:r>
+              <a:rPr lang="en-US" altLang="zh-CN"/>
+              <a:t>Editor</a:t>
+            </a:r>
+            <a:endParaRPr lang="en-US" altLang="zh-CN"/>
+          </a:p>
+        </p:txBody>
+      </p:sp>
+      <p:sp>
+        <p:nvSpPr>
+          <p:cNvPr id="3" name="内容占位符 2"/>
+          <p:cNvSpPr>
+            <a:spLocks noGrp="1"/>
+          </p:cNvSpPr>
+          <p:nvPr>
+            <p:ph sz="half" idx="1"/>
+          </p:nvPr>
+        </p:nvSpPr>
+        <p:spPr/>
+        <p:txBody>
+          <a:bodyPr/>
+          <a:p>
+            <a:r>
+              <a:rPr lang="zh-CN" altLang="en-US"/>
+              <a:t>我们主要来介绍</a:t>
+            </a:r>
+            <a:r>
+              <a:rPr lang="en-US" altLang="zh-CN"/>
+              <a:t>slice</a:t>
+            </a:r>
+            <a:r>
+              <a:rPr lang="zh-CN" altLang="en-US"/>
+              <a:t>功能：</a:t>
+            </a:r>
+            <a:endParaRPr lang="zh-CN" altLang="en-US"/>
+          </a:p>
+          <a:p>
+            <a:r>
+              <a:rPr lang="en-US" altLang="zh-CN"/>
+              <a:t>2.</a:t>
+            </a:r>
+            <a:r>
+              <a:rPr lang="zh-CN" altLang="en-US"/>
+              <a:t>用</a:t>
+            </a:r>
+            <a:r>
+              <a:rPr lang="en-US" altLang="zh-CN"/>
+              <a:t>automatic</a:t>
+            </a:r>
+            <a:r>
+              <a:rPr lang="zh-CN" altLang="en-US"/>
+              <a:t>功能</a:t>
+            </a:r>
+            <a:endParaRPr lang="zh-CN" altLang="en-US"/>
+          </a:p>
+        </p:txBody>
+      </p:sp>
+      <p:pic>
+        <p:nvPicPr>
+          <p:cNvPr id="5" name="内容占位符 4"/>
+          <p:cNvPicPr>
+            <a:picLocks noChangeAspect="1"/>
+          </p:cNvPicPr>
+          <p:nvPr>
+            <p:ph sz="half" idx="2"/>
+          </p:nvPr>
+        </p:nvPicPr>
+        <p:blipFill>
+          <a:blip r:embed="rId1"/>
+          <a:stretch>
+            <a:fillRect/>
+          </a:stretch>
+        </p:blipFill>
+        <p:spPr>
+          <a:xfrm>
+            <a:off x="5040630" y="1144905"/>
+            <a:ext cx="6993255" cy="5232400"/>
+          </a:xfrm>
+          <a:prstGeom prst="rect">
+            <a:avLst/>
+          </a:prstGeom>
+        </p:spPr>
+      </p:pic>
+    </p:spTree>
+    <p:custDataLst>
+      <p:tags r:id="rId2"/>
     </p:custDataLst>
   </p:cSld>
   <p:clrMapOvr>
@@ -4394,28 +5424,50 @@
 
 <file path=ppt/tags/tag68.xml><?xml version="1.0" encoding="utf-8"?>
 <p:tagLst xmlns:p="http://schemas.openxmlformats.org/presentationml/2006/main">
+  <p:tag name="KSO_WM_UNIT_PLACING_PICTURE_USER_VIEWPORT" val="{&quot;height&quot;:7495,&quot;width&quot;:3562}"/>
+</p:tagLst>
+</file>
+
+<file path=ppt/tags/tag69.xml><?xml version="1.0" encoding="utf-8"?>
+<p:tagLst xmlns:p="http://schemas.openxmlformats.org/presentationml/2006/main">
   <p:tag name="KSO_WM_BEAUTIFY_FLAG" val="#wm#"/>
   <p:tag name="KSO_WM_TEMPLATE_CATEGORY" val="custom"/>
   <p:tag name="KSO_WM_TEMPLATE_INDEX" val="20205176"/>
 </p:tagLst>
 </file>
 
-<file path=ppt/tags/tag69.xml><?xml version="1.0" encoding="utf-8"?>
+<file path=ppt/tags/tag7.xml><?xml version="1.0" encoding="utf-8"?>
+<p:tagLst xmlns:p="http://schemas.openxmlformats.org/presentationml/2006/main">
+  <p:tag name="KSO_WM_UNIT_HIGHLIGHT" val="0"/>
+  <p:tag name="KSO_WM_UNIT_COMPATIBLE" val="0"/>
+  <p:tag name="KSO_WM_UNIT_DIAGRAM_ISNUMVISUAL" val="0"/>
+  <p:tag name="KSO_WM_UNIT_DIAGRAM_ISREFERUNIT" val="0"/>
+  <p:tag name="KSO_WM_UNIT_ID" val="_2**"/>
+  <p:tag name="KSO_WM_UNIT_LAYERLEVEL" val="1"/>
+  <p:tag name="KSO_WM_TAG_VERSION" val="1.0"/>
+  <p:tag name="KSO_WM_BEAUTIFY_FLAG" val="#wm#"/>
+</p:tagLst>
+</file>
+
+<file path=ppt/tags/tag70.xml><?xml version="1.0" encoding="utf-8"?>
+<p:tagLst xmlns:p="http://schemas.openxmlformats.org/presentationml/2006/main">
+  <p:tag name="KSO_WM_BEAUTIFY_FLAG" val="#wm#"/>
+  <p:tag name="KSO_WM_TEMPLATE_CATEGORY" val="custom"/>
+  <p:tag name="KSO_WM_TEMPLATE_INDEX" val="20205176"/>
+</p:tagLst>
+</file>
+
+<file path=ppt/tags/tag71.xml><?xml version="1.0" encoding="utf-8"?>
+<p:tagLst xmlns:p="http://schemas.openxmlformats.org/presentationml/2006/main">
+  <p:tag name="KSO_WM_BEAUTIFY_FLAG" val="#wm#"/>
+  <p:tag name="KSO_WM_TEMPLATE_CATEGORY" val="custom"/>
+  <p:tag name="KSO_WM_TEMPLATE_INDEX" val="20205176"/>
+</p:tagLst>
+</file>
+
+<file path=ppt/tags/tag72.xml><?xml version="1.0" encoding="utf-8"?>
 <p:tagLst xmlns:p="http://schemas.openxmlformats.org/presentationml/2006/main">
   <p:tag name="COMMONDATA" val="eyJoZGlkIjoiMzFiNDQ3Njk0MWM0ZjgwMmY3ZDY1MjMxYTk4MjI3MjkifQ=="/>
-</p:tagLst>
-</file>
-
-<file path=ppt/tags/tag7.xml><?xml version="1.0" encoding="utf-8"?>
-<p:tagLst xmlns:p="http://schemas.openxmlformats.org/presentationml/2006/main">
-  <p:tag name="KSO_WM_UNIT_HIGHLIGHT" val="0"/>
-  <p:tag name="KSO_WM_UNIT_COMPATIBLE" val="0"/>
-  <p:tag name="KSO_WM_UNIT_DIAGRAM_ISNUMVISUAL" val="0"/>
-  <p:tag name="KSO_WM_UNIT_DIAGRAM_ISREFERUNIT" val="0"/>
-  <p:tag name="KSO_WM_UNIT_ID" val="_2**"/>
-  <p:tag name="KSO_WM_UNIT_LAYERLEVEL" val="1"/>
-  <p:tag name="KSO_WM_TAG_VERSION" val="1.0"/>
-  <p:tag name="KSO_WM_BEAUTIFY_FLAG" val="#wm#"/>
 </p:tagLst>
 </file>
 
@@ -4628,4 +5680,263 @@
     </a:ext>
   </a:extLst>
 </a:theme>
+</file>
+
+<file path=ppt/theme/theme2.xml><?xml version="1.0" encoding="utf-8"?>
+<a:theme xmlns:a="http://schemas.openxmlformats.org/drawingml/2006/main" name="Office 主题">
+  <a:themeElements>
+    <a:clrScheme name="Office">
+      <a:dk1>
+        <a:sysClr val="windowText" lastClr="000000"/>
+      </a:dk1>
+      <a:lt1>
+        <a:sysClr val="window" lastClr="FFFFFF"/>
+      </a:lt1>
+      <a:dk2>
+        <a:srgbClr val="44546A"/>
+      </a:dk2>
+      <a:lt2>
+        <a:srgbClr val="E7E6E6"/>
+      </a:lt2>
+      <a:accent1>
+        <a:srgbClr val="5B9BD5"/>
+      </a:accent1>
+      <a:accent2>
+        <a:srgbClr val="ED7D31"/>
+      </a:accent2>
+      <a:accent3>
+        <a:srgbClr val="A5A5A5"/>
+      </a:accent3>
+      <a:accent4>
+        <a:srgbClr val="FFC000"/>
+      </a:accent4>
+      <a:accent5>
+        <a:srgbClr val="4472C4"/>
+      </a:accent5>
+      <a:accent6>
+        <a:srgbClr val="70AD47"/>
+      </a:accent6>
+      <a:hlink>
+        <a:srgbClr val="0563C1"/>
+      </a:hlink>
+      <a:folHlink>
+        <a:srgbClr val="954F72"/>
+      </a:folHlink>
+    </a:clrScheme>
+    <a:fontScheme name="Office">
+      <a:majorFont>
+        <a:latin typeface="Calibri Light"/>
+        <a:ea typeface=""/>
+        <a:cs typeface=""/>
+        <a:font script="Jpan" typeface="ＭＳ Ｐゴシック"/>
+        <a:font script="Hang" typeface="맑은 고딕"/>
+        <a:font script="Hans" typeface="宋体"/>
+        <a:font script="Hant" typeface="新細明體"/>
+        <a:font script="Arab" typeface="Times New Roman"/>
+        <a:font script="Hebr" typeface="Times New Roman"/>
+        <a:font script="Thai" typeface="Angsana New"/>
+        <a:font script="Ethi" typeface="Nyala"/>
+        <a:font script="Beng" typeface="Vrinda"/>
+        <a:font script="Gujr" typeface="Shruti"/>
+        <a:font script="Khmr" typeface="MoolBoran"/>
+        <a:font script="Knda" typeface="Tunga"/>
+        <a:font script="Guru" typeface="Raavi"/>
+        <a:font script="Cans" typeface="Euphemia"/>
+        <a:font script="Cher" typeface="Plantagenet Cherokee"/>
+        <a:font script="Yiii" typeface="Microsoft Yi Baiti"/>
+        <a:font script="Tibt" typeface="Microsoft Himalaya"/>
+        <a:font script="Thaa" typeface="MV Boli"/>
+        <a:font script="Deva" typeface="Mangal"/>
+        <a:font script="Telu" typeface="Gautami"/>
+        <a:font script="Taml" typeface="Latha"/>
+        <a:font script="Syrc" typeface="Estrangelo Edessa"/>
+        <a:font script="Orya" typeface="Kalinga"/>
+        <a:font script="Mlym" typeface="Kartika"/>
+        <a:font script="Laoo" typeface="DokChampa"/>
+        <a:font script="Sinh" typeface="Iskoola Pota"/>
+        <a:font script="Mong" typeface="Mongolian Baiti"/>
+        <a:font script="Viet" typeface="Times New Roman"/>
+        <a:font script="Uigh" typeface="Microsoft Uighur"/>
+        <a:font script="Geor" typeface="Sylfaen"/>
+      </a:majorFont>
+      <a:minorFont>
+        <a:latin typeface="Calibri"/>
+        <a:ea typeface=""/>
+        <a:cs typeface=""/>
+        <a:font script="Jpan" typeface="ＭＳ Ｐゴシック"/>
+        <a:font script="Hang" typeface="맑은 고딕"/>
+        <a:font script="Hans" typeface="宋体"/>
+        <a:font script="Hant" typeface="新細明體"/>
+        <a:font script="Arab" typeface="Arial"/>
+        <a:font script="Hebr" typeface="Arial"/>
+        <a:font script="Thai" typeface="Cordia New"/>
+        <a:font script="Ethi" typeface="Nyala"/>
+        <a:font script="Beng" typeface="Vrinda"/>
+        <a:font script="Gujr" typeface="Shruti"/>
+        <a:font script="Khmr" typeface="DaunPenh"/>
+        <a:font script="Knda" typeface="Tunga"/>
+        <a:font script="Guru" typeface="Raavi"/>
+        <a:font script="Cans" typeface="Euphemia"/>
+        <a:font script="Cher" typeface="Plantagenet Cherokee"/>
+        <a:font script="Yiii" typeface="Microsoft Yi Baiti"/>
+        <a:font script="Tibt" typeface="Microsoft Himalaya"/>
+        <a:font script="Thaa" typeface="MV Boli"/>
+        <a:font script="Deva" typeface="Mangal"/>
+        <a:font script="Telu" typeface="Gautami"/>
+        <a:font script="Taml" typeface="Latha"/>
+        <a:font script="Syrc" typeface="Estrangelo Edessa"/>
+        <a:font script="Orya" typeface="Kalinga"/>
+        <a:font script="Mlym" typeface="Kartika"/>
+        <a:font script="Laoo" typeface="DokChampa"/>
+        <a:font script="Sinh" typeface="Iskoola Pota"/>
+        <a:font script="Mong" typeface="Mongolian Baiti"/>
+        <a:font script="Viet" typeface="Arial"/>
+        <a:font script="Uigh" typeface="Microsoft Uighur"/>
+        <a:font script="Geor" typeface="Sylfaen"/>
+      </a:minorFont>
+    </a:fontScheme>
+    <a:fmtScheme name="Office">
+      <a:fillStyleLst>
+        <a:solidFill>
+          <a:schemeClr val="phClr"/>
+        </a:solidFill>
+        <a:gradFill rotWithShape="1">
+          <a:gsLst>
+            <a:gs pos="0">
+              <a:schemeClr val="phClr">
+                <a:lumMod val="110000"/>
+                <a:satMod val="105000"/>
+                <a:tint val="67000"/>
+              </a:schemeClr>
+            </a:gs>
+            <a:gs pos="50000">
+              <a:schemeClr val="phClr">
+                <a:lumMod val="105000"/>
+                <a:satMod val="103000"/>
+                <a:tint val="73000"/>
+              </a:schemeClr>
+            </a:gs>
+            <a:gs pos="100000">
+              <a:schemeClr val="phClr">
+                <a:lumMod val="105000"/>
+                <a:satMod val="109000"/>
+                <a:tint val="81000"/>
+              </a:schemeClr>
+            </a:gs>
+          </a:gsLst>
+          <a:lin ang="5400000" scaled="0"/>
+        </a:gradFill>
+        <a:gradFill rotWithShape="1">
+          <a:gsLst>
+            <a:gs pos="0">
+              <a:schemeClr val="phClr">
+                <a:satMod val="103000"/>
+                <a:lumMod val="102000"/>
+                <a:tint val="94000"/>
+              </a:schemeClr>
+            </a:gs>
+            <a:gs pos="50000">
+              <a:schemeClr val="phClr">
+                <a:satMod val="110000"/>
+                <a:lumMod val="100000"/>
+                <a:shade val="100000"/>
+              </a:schemeClr>
+            </a:gs>
+            <a:gs pos="100000">
+              <a:schemeClr val="phClr">
+                <a:lumMod val="99000"/>
+                <a:satMod val="120000"/>
+                <a:shade val="78000"/>
+              </a:schemeClr>
+            </a:gs>
+          </a:gsLst>
+          <a:lin ang="5400000" scaled="0"/>
+        </a:gradFill>
+      </a:fillStyleLst>
+      <a:lnStyleLst>
+        <a:ln w="6350" cap="flat" cmpd="sng" algn="ctr">
+          <a:solidFill>
+            <a:schemeClr val="phClr"/>
+          </a:solidFill>
+          <a:prstDash val="solid"/>
+          <a:miter lim="800000"/>
+        </a:ln>
+        <a:ln w="12700" cap="flat" cmpd="sng" algn="ctr">
+          <a:solidFill>
+            <a:schemeClr val="phClr"/>
+          </a:solidFill>
+          <a:prstDash val="solid"/>
+          <a:miter lim="800000"/>
+        </a:ln>
+        <a:ln w="19050" cap="flat" cmpd="sng" algn="ctr">
+          <a:solidFill>
+            <a:schemeClr val="phClr"/>
+          </a:solidFill>
+          <a:prstDash val="solid"/>
+          <a:miter lim="800000"/>
+        </a:ln>
+      </a:lnStyleLst>
+      <a:effectStyleLst>
+        <a:effectStyle>
+          <a:effectLst/>
+        </a:effectStyle>
+        <a:effectStyle>
+          <a:effectLst/>
+        </a:effectStyle>
+        <a:effectStyle>
+          <a:effectLst>
+            <a:outerShdw blurRad="57150" dist="19050" dir="5400000" algn="ctr" rotWithShape="0">
+              <a:srgbClr val="000000">
+                <a:alpha val="63000"/>
+              </a:srgbClr>
+            </a:outerShdw>
+          </a:effectLst>
+        </a:effectStyle>
+      </a:effectStyleLst>
+      <a:bgFillStyleLst>
+        <a:solidFill>
+          <a:schemeClr val="phClr"/>
+        </a:solidFill>
+        <a:solidFill>
+          <a:schemeClr val="phClr">
+            <a:tint val="95000"/>
+            <a:satMod val="170000"/>
+          </a:schemeClr>
+        </a:solidFill>
+        <a:gradFill rotWithShape="1">
+          <a:gsLst>
+            <a:gs pos="0">
+              <a:schemeClr val="phClr">
+                <a:tint val="93000"/>
+                <a:satMod val="150000"/>
+                <a:shade val="98000"/>
+                <a:lumMod val="102000"/>
+              </a:schemeClr>
+            </a:gs>
+            <a:gs pos="50000">
+              <a:schemeClr val="phClr">
+                <a:tint val="98000"/>
+                <a:satMod val="130000"/>
+                <a:shade val="90000"/>
+                <a:lumMod val="103000"/>
+              </a:schemeClr>
+            </a:gs>
+            <a:gs pos="100000">
+              <a:schemeClr val="phClr">
+                <a:shade val="63000"/>
+                <a:satMod val="120000"/>
+              </a:schemeClr>
+            </a:gs>
+          </a:gsLst>
+          <a:lin ang="5400000" scaled="0"/>
+        </a:gradFill>
+      </a:bgFillStyleLst>
+    </a:fmtScheme>
+  </a:themeElements>
+  <a:extLst>
+    <a:ext uri="{05A4C25C-085E-4340-85A3-A5531E510DB2}">
+      <thm15:themeFamily xmlns:thm15="http://schemas.microsoft.com/office/thememl/2012/main" name="Office Theme" id="{62F939B6-93AF-4DB8-9C6B-D6C7DFDC589F}" vid="{4A3C46E8-61CC-4603-A589-7422A47A8E4A}"/>
+    </a:ext>
+  </a:extLst>
+</a:theme>
 </file>